--- a/Presentation/TEAM Stream Final.pptx
+++ b/Presentation/TEAM Stream Final.pptx
@@ -4246,6 +4246,36 @@
           </a:sp3d>
         </p:spPr>
       </p:pic>
+      <p:pic>
+        <p:nvPicPr>
+          <p:cNvPr id="3" name="Picture 2"/>
+          <p:cNvPicPr>
+            <a:picLocks noChangeAspect="1"/>
+          </p:cNvPicPr>
+          <p:nvPr/>
+        </p:nvPicPr>
+        <p:blipFill>
+          <a:blip r:embed="rId3">
+            <a:extLst>
+              <a:ext uri="{28A0092B-C50C-407E-A947-70E740481C1C}">
+                <a14:useLocalDpi xmlns:a14="http://schemas.microsoft.com/office/drawing/2010/main" val="0"/>
+              </a:ext>
+            </a:extLst>
+          </a:blip>
+          <a:stretch>
+            <a:fillRect/>
+          </a:stretch>
+        </p:blipFill>
+        <p:spPr>
+          <a:xfrm>
+            <a:off x="1055122" y="4355548"/>
+            <a:ext cx="9955631" cy="2164268"/>
+          </a:xfrm>
+          <a:prstGeom prst="rect">
+            <a:avLst/>
+          </a:prstGeom>
+        </p:spPr>
+      </p:pic>
     </p:spTree>
     <p:extLst>
       <p:ext uri="{BB962C8B-B14F-4D97-AF65-F5344CB8AC3E}">
@@ -4453,6 +4483,88 @@
                                         <p:cTn id="18" dur="2000" fill="hold"/>
                                         <p:tgtEl>
                                           <p:spTgt spid="4"/>
+                                        </p:tgtEl>
+                                        <p:attrNameLst>
+                                          <p:attrName>ppt_y</p:attrName>
+                                        </p:attrNameLst>
+                                      </p:cBhvr>
+                                      <p:tavLst>
+                                        <p:tav tm="0">
+                                          <p:val>
+                                            <p:strVal val="1+#ppt_h/2"/>
+                                          </p:val>
+                                        </p:tav>
+                                        <p:tav tm="100000">
+                                          <p:val>
+                                            <p:strVal val="#ppt_y"/>
+                                          </p:val>
+                                        </p:tav>
+                                      </p:tavLst>
+                                    </p:anim>
+                                  </p:childTnLst>
+                                </p:cTn>
+                              </p:par>
+                            </p:childTnLst>
+                          </p:cTn>
+                        </p:par>
+                        <p:par>
+                          <p:cTn id="19" fill="hold">
+                            <p:stCondLst>
+                              <p:cond delay="3100"/>
+                            </p:stCondLst>
+                            <p:childTnLst>
+                              <p:par>
+                                <p:cTn id="20" presetID="2" presetClass="entr" presetSubtype="4" fill="hold" nodeType="afterEffect">
+                                  <p:stCondLst>
+                                    <p:cond delay="100"/>
+                                  </p:stCondLst>
+                                  <p:childTnLst>
+                                    <p:set>
+                                      <p:cBhvr>
+                                        <p:cTn id="21" dur="1" fill="hold">
+                                          <p:stCondLst>
+                                            <p:cond delay="0"/>
+                                          </p:stCondLst>
+                                        </p:cTn>
+                                        <p:tgtEl>
+                                          <p:spTgt spid="3"/>
+                                        </p:tgtEl>
+                                        <p:attrNameLst>
+                                          <p:attrName>style.visibility</p:attrName>
+                                        </p:attrNameLst>
+                                      </p:cBhvr>
+                                      <p:to>
+                                        <p:strVal val="visible"/>
+                                      </p:to>
+                                    </p:set>
+                                    <p:anim calcmode="lin" valueType="num">
+                                      <p:cBhvr additive="base">
+                                        <p:cTn id="22" dur="3400" fill="hold"/>
+                                        <p:tgtEl>
+                                          <p:spTgt spid="3"/>
+                                        </p:tgtEl>
+                                        <p:attrNameLst>
+                                          <p:attrName>ppt_x</p:attrName>
+                                        </p:attrNameLst>
+                                      </p:cBhvr>
+                                      <p:tavLst>
+                                        <p:tav tm="0">
+                                          <p:val>
+                                            <p:strVal val="#ppt_x"/>
+                                          </p:val>
+                                        </p:tav>
+                                        <p:tav tm="100000">
+                                          <p:val>
+                                            <p:strVal val="#ppt_x"/>
+                                          </p:val>
+                                        </p:tav>
+                                      </p:tavLst>
+                                    </p:anim>
+                                    <p:anim calcmode="lin" valueType="num">
+                                      <p:cBhvr additive="base">
+                                        <p:cTn id="23" dur="3400" fill="hold"/>
+                                        <p:tgtEl>
+                                          <p:spTgt spid="3"/>
                                         </p:tgtEl>
                                         <p:attrNameLst>
                                           <p:attrName>ppt_y</p:attrName>
@@ -8157,11 +8269,7 @@
             </a:pPr>
             <a:r>
               <a:rPr lang="en-US" dirty="0" smtClean="0"/>
-              <a:t>Ensuring everyone on the team has challenging pieces of the </a:t>
-            </a:r>
-            <a:r>
-              <a:rPr lang="en-US" dirty="0" smtClean="0"/>
-              <a:t>project</a:t>
+              <a:t>Ensuring everyone on the team has challenging pieces of the project</a:t>
             </a:r>
           </a:p>
           <a:p>
@@ -8178,7 +8286,7 @@
             </a:pPr>
             <a:r>
               <a:rPr lang="en-US" dirty="0" smtClean="0"/>
-              <a:t>PWA</a:t>
+              <a:t>PWA (Progressive Web App)</a:t>
             </a:r>
             <a:endParaRPr lang="en-US" dirty="0"/>
           </a:p>
@@ -8668,30 +8776,21 @@
                             </p:childTnLst>
                           </p:cTn>
                         </p:par>
-                      </p:childTnLst>
-                    </p:cTn>
-                  </p:par>
-                  <p:par>
-                    <p:cTn id="25" fill="hold">
-                      <p:stCondLst>
-                        <p:cond delay="indefinite"/>
-                      </p:stCondLst>
-                      <p:childTnLst>
                         <p:par>
-                          <p:cTn id="26" fill="hold">
+                          <p:cTn id="25" fill="hold">
                             <p:stCondLst>
-                              <p:cond delay="0"/>
+                              <p:cond delay="11500"/>
                             </p:stCondLst>
                             <p:childTnLst>
                               <p:par>
-                                <p:cTn id="27" presetID="32" presetClass="emph" presetSubtype="0" fill="hold" grpId="0" nodeType="clickEffect">
+                                <p:cTn id="26" presetID="32" presetClass="emph" presetSubtype="0" fill="hold" grpId="0" nodeType="afterEffect">
                                   <p:stCondLst>
-                                    <p:cond delay="1400"/>
+                                    <p:cond delay="0"/>
                                   </p:stCondLst>
                                   <p:childTnLst>
                                     <p:animRot by="120000">
                                       <p:cBhvr>
-                                        <p:cTn id="28" dur="300" fill="hold">
+                                        <p:cTn id="27" dur="300" fill="hold">
                                           <p:stCondLst>
                                             <p:cond delay="0"/>
                                           </p:stCondLst>
@@ -8710,7 +8809,7 @@
                                     </p:animRot>
                                     <p:animRot by="-240000">
                                       <p:cBhvr>
-                                        <p:cTn id="29" dur="600" fill="hold">
+                                        <p:cTn id="28" dur="600" fill="hold">
                                           <p:stCondLst>
                                             <p:cond delay="600"/>
                                           </p:stCondLst>
@@ -8729,7 +8828,7 @@
                                     </p:animRot>
                                     <p:animRot by="240000">
                                       <p:cBhvr>
-                                        <p:cTn id="30" dur="600" fill="hold">
+                                        <p:cTn id="29" dur="600" fill="hold">
                                           <p:stCondLst>
                                             <p:cond delay="1200"/>
                                           </p:stCondLst>
@@ -8748,7 +8847,7 @@
                                     </p:animRot>
                                     <p:animRot by="-240000">
                                       <p:cBhvr>
-                                        <p:cTn id="31" dur="600" fill="hold">
+                                        <p:cTn id="30" dur="600" fill="hold">
                                           <p:stCondLst>
                                             <p:cond delay="1800"/>
                                           </p:stCondLst>
@@ -8767,7 +8866,7 @@
                                     </p:animRot>
                                     <p:animRot by="120000">
                                       <p:cBhvr>
-                                        <p:cTn id="32" dur="600" fill="hold">
+                                        <p:cTn id="31" dur="600" fill="hold">
                                           <p:stCondLst>
                                             <p:cond delay="2400"/>
                                           </p:stCondLst>
@@ -8921,11 +9020,7 @@
             </a:pPr>
             <a:r>
               <a:rPr lang="en-US" dirty="0" smtClean="0"/>
-              <a:t>Worked </a:t>
-            </a:r>
-            <a:r>
-              <a:rPr lang="en-US" dirty="0" smtClean="0"/>
-              <a:t>well as a team</a:t>
+              <a:t>Worked well as a team</a:t>
             </a:r>
           </a:p>
           <a:p>
@@ -9700,11 +9795,7 @@
             </a:pPr>
             <a:r>
               <a:rPr lang="en-US" dirty="0" smtClean="0"/>
-              <a:t>Provide the streaming service for </a:t>
-            </a:r>
-            <a:r>
-              <a:rPr lang="en-US" dirty="0" smtClean="0"/>
-              <a:t>content control</a:t>
+              <a:t>Provide the streaming service for content control</a:t>
             </a:r>
           </a:p>
           <a:p>
@@ -9714,15 +9805,7 @@
             </a:pPr>
             <a:r>
               <a:rPr lang="en-US" dirty="0" smtClean="0"/>
-              <a:t>Enhanced </a:t>
-            </a:r>
-            <a:r>
-              <a:rPr lang="en-US" dirty="0" smtClean="0"/>
-              <a:t>search </a:t>
-            </a:r>
-            <a:r>
-              <a:rPr lang="en-US" dirty="0" smtClean="0"/>
-              <a:t>features</a:t>
+              <a:t>Enhanced search features</a:t>
             </a:r>
             <a:endParaRPr lang="en-US" dirty="0"/>
           </a:p>
@@ -9749,7 +9832,6 @@
               <a:rPr lang="en-US" dirty="0" smtClean="0"/>
               <a:t>video</a:t>
             </a:r>
-            <a:endParaRPr lang="en-US" dirty="0" smtClean="0"/>
           </a:p>
           <a:p>
             <a:pPr marL="457200" indent="-457200">
@@ -9878,7 +9960,7 @@
                                     </p:set>
                                     <p:anim calcmode="lin" valueType="num">
                                       <p:cBhvr>
-                                        <p:cTn id="7" dur="2600" fill="hold"/>
+                                        <p:cTn id="7" dur="1600" fill="hold"/>
                                         <p:tgtEl>
                                           <p:spTgt spid="3">
                                             <p:txEl>
@@ -9905,7 +9987,7 @@
                                     </p:anim>
                                     <p:anim calcmode="lin" valueType="num">
                                       <p:cBhvr>
-                                        <p:cTn id="8" dur="2600" fill="hold"/>
+                                        <p:cTn id="8" dur="1600" fill="hold"/>
                                         <p:tgtEl>
                                           <p:spTgt spid="3">
                                             <p:txEl>
@@ -9932,7 +10014,7 @@
                                     </p:anim>
                                     <p:animEffect transition="in" filter="fade">
                                       <p:cBhvr>
-                                        <p:cTn id="9" dur="2600"/>
+                                        <p:cTn id="9" dur="1600"/>
                                         <p:tgtEl>
                                           <p:spTgt spid="3">
                                             <p:txEl>
@@ -9951,7 +10033,7 @@
                         <p:par>
                           <p:cTn id="10" fill="hold">
                             <p:stCondLst>
-                              <p:cond delay="2600"/>
+                              <p:cond delay="1600"/>
                             </p:stCondLst>
                             <p:childTnLst>
                               <p:par>
@@ -9984,7 +10066,7 @@
                                     </p:set>
                                     <p:anim calcmode="lin" valueType="num">
                                       <p:cBhvr>
-                                        <p:cTn id="13" dur="2600" fill="hold"/>
+                                        <p:cTn id="13" dur="1600" fill="hold"/>
                                         <p:tgtEl>
                                           <p:spTgt spid="3">
                                             <p:txEl>
@@ -10011,7 +10093,7 @@
                                     </p:anim>
                                     <p:anim calcmode="lin" valueType="num">
                                       <p:cBhvr>
-                                        <p:cTn id="14" dur="2600" fill="hold"/>
+                                        <p:cTn id="14" dur="1600" fill="hold"/>
                                         <p:tgtEl>
                                           <p:spTgt spid="3">
                                             <p:txEl>
@@ -10038,7 +10120,7 @@
                                     </p:anim>
                                     <p:animEffect transition="in" filter="fade">
                                       <p:cBhvr>
-                                        <p:cTn id="15" dur="2600"/>
+                                        <p:cTn id="15" dur="1600"/>
                                         <p:tgtEl>
                                           <p:spTgt spid="3">
                                             <p:txEl>
@@ -10054,30 +10136,21 @@
                             </p:childTnLst>
                           </p:cTn>
                         </p:par>
-                      </p:childTnLst>
-                    </p:cTn>
-                  </p:par>
-                  <p:par>
-                    <p:cTn id="16" fill="hold">
-                      <p:stCondLst>
-                        <p:cond delay="indefinite"/>
-                      </p:stCondLst>
-                      <p:childTnLst>
                         <p:par>
-                          <p:cTn id="17" fill="hold">
+                          <p:cTn id="16" fill="hold">
                             <p:stCondLst>
-                              <p:cond delay="0"/>
+                              <p:cond delay="3200"/>
                             </p:stCondLst>
                             <p:childTnLst>
                               <p:par>
-                                <p:cTn id="18" presetID="50" presetClass="entr" presetSubtype="0" decel="100000" fill="hold" grpId="1" nodeType="clickEffect">
+                                <p:cTn id="17" presetID="50" presetClass="entr" presetSubtype="0" decel="100000" fill="hold" grpId="1" nodeType="afterEffect">
                                   <p:stCondLst>
                                     <p:cond delay="0"/>
                                   </p:stCondLst>
                                   <p:childTnLst>
                                     <p:set>
                                       <p:cBhvr>
-                                        <p:cTn id="19" dur="1" fill="hold">
+                                        <p:cTn id="18" dur="1" fill="hold">
                                           <p:stCondLst>
                                             <p:cond delay="0"/>
                                           </p:stCondLst>
@@ -10099,7 +10172,7 @@
                                     </p:set>
                                     <p:anim calcmode="lin" valueType="num">
                                       <p:cBhvr>
-                                        <p:cTn id="20" dur="1000" fill="hold"/>
+                                        <p:cTn id="19" dur="1600" fill="hold"/>
                                         <p:tgtEl>
                                           <p:spTgt spid="3">
                                             <p:txEl>
@@ -10126,7 +10199,7 @@
                                     </p:anim>
                                     <p:anim calcmode="lin" valueType="num">
                                       <p:cBhvr>
-                                        <p:cTn id="21" dur="1000" fill="hold"/>
+                                        <p:cTn id="20" dur="1600" fill="hold"/>
                                         <p:tgtEl>
                                           <p:spTgt spid="3">
                                             <p:txEl>
@@ -10153,7 +10226,7 @@
                                     </p:anim>
                                     <p:animEffect transition="in" filter="fade">
                                       <p:cBhvr>
-                                        <p:cTn id="22" dur="1000"/>
+                                        <p:cTn id="21" dur="1600"/>
                                         <p:tgtEl>
                                           <p:spTgt spid="3">
                                             <p:txEl>
@@ -10169,30 +10242,21 @@
                             </p:childTnLst>
                           </p:cTn>
                         </p:par>
-                      </p:childTnLst>
-                    </p:cTn>
-                  </p:par>
-                  <p:par>
-                    <p:cTn id="23" fill="hold">
-                      <p:stCondLst>
-                        <p:cond delay="indefinite"/>
-                      </p:stCondLst>
-                      <p:childTnLst>
                         <p:par>
-                          <p:cTn id="24" fill="hold">
+                          <p:cTn id="22" fill="hold">
                             <p:stCondLst>
-                              <p:cond delay="0"/>
+                              <p:cond delay="4800"/>
                             </p:stCondLst>
                             <p:childTnLst>
                               <p:par>
-                                <p:cTn id="25" presetID="50" presetClass="entr" presetSubtype="0" decel="100000" fill="hold" grpId="1" nodeType="clickEffect">
+                                <p:cTn id="23" presetID="50" presetClass="entr" presetSubtype="0" decel="100000" fill="hold" grpId="1" nodeType="afterEffect">
                                   <p:stCondLst>
                                     <p:cond delay="0"/>
                                   </p:stCondLst>
                                   <p:childTnLst>
                                     <p:set>
                                       <p:cBhvr>
-                                        <p:cTn id="26" dur="1" fill="hold">
+                                        <p:cTn id="24" dur="1" fill="hold">
                                           <p:stCondLst>
                                             <p:cond delay="0"/>
                                           </p:stCondLst>
@@ -10214,7 +10278,7 @@
                                     </p:set>
                                     <p:anim calcmode="lin" valueType="num">
                                       <p:cBhvr>
-                                        <p:cTn id="27" dur="1000" fill="hold"/>
+                                        <p:cTn id="25" dur="1300" fill="hold"/>
                                         <p:tgtEl>
                                           <p:spTgt spid="3">
                                             <p:txEl>
@@ -10241,7 +10305,7 @@
                                     </p:anim>
                                     <p:anim calcmode="lin" valueType="num">
                                       <p:cBhvr>
-                                        <p:cTn id="28" dur="1000" fill="hold"/>
+                                        <p:cTn id="26" dur="1300" fill="hold"/>
                                         <p:tgtEl>
                                           <p:spTgt spid="3">
                                             <p:txEl>
@@ -10268,7 +10332,7 @@
                                     </p:anim>
                                     <p:animEffect transition="in" filter="fade">
                                       <p:cBhvr>
-                                        <p:cTn id="29" dur="1000"/>
+                                        <p:cTn id="27" dur="1300"/>
                                         <p:tgtEl>
                                           <p:spTgt spid="3">
                                             <p:txEl>
@@ -10284,30 +10348,21 @@
                             </p:childTnLst>
                           </p:cTn>
                         </p:par>
-                      </p:childTnLst>
-                    </p:cTn>
-                  </p:par>
-                  <p:par>
-                    <p:cTn id="30" fill="hold">
-                      <p:stCondLst>
-                        <p:cond delay="indefinite"/>
-                      </p:stCondLst>
-                      <p:childTnLst>
                         <p:par>
-                          <p:cTn id="31" fill="hold">
+                          <p:cTn id="28" fill="hold">
                             <p:stCondLst>
-                              <p:cond delay="0"/>
+                              <p:cond delay="6100"/>
                             </p:stCondLst>
                             <p:childTnLst>
                               <p:par>
-                                <p:cTn id="32" presetID="50" presetClass="entr" presetSubtype="0" decel="100000" fill="hold" grpId="1" nodeType="clickEffect">
+                                <p:cTn id="29" presetID="50" presetClass="entr" presetSubtype="0" decel="100000" fill="hold" grpId="1" nodeType="afterEffect">
                                   <p:stCondLst>
                                     <p:cond delay="0"/>
                                   </p:stCondLst>
                                   <p:childTnLst>
                                     <p:set>
                                       <p:cBhvr>
-                                        <p:cTn id="33" dur="1" fill="hold">
+                                        <p:cTn id="30" dur="1" fill="hold">
                                           <p:stCondLst>
                                             <p:cond delay="0"/>
                                           </p:stCondLst>
@@ -10329,7 +10384,7 @@
                                     </p:set>
                                     <p:anim calcmode="lin" valueType="num">
                                       <p:cBhvr>
-                                        <p:cTn id="34" dur="1000" fill="hold"/>
+                                        <p:cTn id="31" dur="1500" fill="hold"/>
                                         <p:tgtEl>
                                           <p:spTgt spid="3">
                                             <p:txEl>
@@ -10356,7 +10411,7 @@
                                     </p:anim>
                                     <p:anim calcmode="lin" valueType="num">
                                       <p:cBhvr>
-                                        <p:cTn id="35" dur="1000" fill="hold"/>
+                                        <p:cTn id="32" dur="1500" fill="hold"/>
                                         <p:tgtEl>
                                           <p:spTgt spid="3">
                                             <p:txEl>
@@ -10383,7 +10438,7 @@
                                     </p:anim>
                                     <p:animEffect transition="in" filter="fade">
                                       <p:cBhvr>
-                                        <p:cTn id="36" dur="1000"/>
+                                        <p:cTn id="33" dur="1500"/>
                                         <p:tgtEl>
                                           <p:spTgt spid="3">
                                             <p:txEl>
@@ -10399,30 +10454,21 @@
                             </p:childTnLst>
                           </p:cTn>
                         </p:par>
-                      </p:childTnLst>
-                    </p:cTn>
-                  </p:par>
-                  <p:par>
-                    <p:cTn id="37" fill="hold">
-                      <p:stCondLst>
-                        <p:cond delay="indefinite"/>
-                      </p:stCondLst>
-                      <p:childTnLst>
                         <p:par>
-                          <p:cTn id="38" fill="hold">
+                          <p:cTn id="34" fill="hold">
                             <p:stCondLst>
-                              <p:cond delay="0"/>
+                              <p:cond delay="7600"/>
                             </p:stCondLst>
                             <p:childTnLst>
                               <p:par>
-                                <p:cTn id="39" presetID="50" presetClass="entr" presetSubtype="0" decel="100000" fill="hold" grpId="1" nodeType="clickEffect">
+                                <p:cTn id="35" presetID="50" presetClass="entr" presetSubtype="0" decel="100000" fill="hold" grpId="1" nodeType="afterEffect">
                                   <p:stCondLst>
                                     <p:cond delay="0"/>
                                   </p:stCondLst>
                                   <p:childTnLst>
                                     <p:set>
                                       <p:cBhvr>
-                                        <p:cTn id="40" dur="1" fill="hold">
+                                        <p:cTn id="36" dur="1" fill="hold">
                                           <p:stCondLst>
                                             <p:cond delay="0"/>
                                           </p:stCondLst>
@@ -10444,7 +10490,7 @@
                                     </p:set>
                                     <p:anim calcmode="lin" valueType="num">
                                       <p:cBhvr>
-                                        <p:cTn id="41" dur="1000" fill="hold"/>
+                                        <p:cTn id="37" dur="1500" fill="hold"/>
                                         <p:tgtEl>
                                           <p:spTgt spid="3">
                                             <p:txEl>
@@ -10471,7 +10517,7 @@
                                     </p:anim>
                                     <p:anim calcmode="lin" valueType="num">
                                       <p:cBhvr>
-                                        <p:cTn id="42" dur="1000" fill="hold"/>
+                                        <p:cTn id="38" dur="1500" fill="hold"/>
                                         <p:tgtEl>
                                           <p:spTgt spid="3">
                                             <p:txEl>
@@ -10498,7 +10544,7 @@
                                     </p:anim>
                                     <p:animEffect transition="in" filter="fade">
                                       <p:cBhvr>
-                                        <p:cTn id="43" dur="1000"/>
+                                        <p:cTn id="39" dur="1500"/>
                                         <p:tgtEl>
                                           <p:spTgt spid="3">
                                             <p:txEl>
@@ -10514,30 +10560,21 @@
                             </p:childTnLst>
                           </p:cTn>
                         </p:par>
-                      </p:childTnLst>
-                    </p:cTn>
-                  </p:par>
-                  <p:par>
-                    <p:cTn id="44" fill="hold">
-                      <p:stCondLst>
-                        <p:cond delay="indefinite"/>
-                      </p:stCondLst>
-                      <p:childTnLst>
                         <p:par>
-                          <p:cTn id="45" fill="hold">
+                          <p:cTn id="40" fill="hold">
                             <p:stCondLst>
-                              <p:cond delay="0"/>
+                              <p:cond delay="9100"/>
                             </p:stCondLst>
                             <p:childTnLst>
                               <p:par>
-                                <p:cTn id="46" presetID="50" presetClass="entr" presetSubtype="0" decel="100000" fill="hold" grpId="1" nodeType="clickEffect">
+                                <p:cTn id="41" presetID="50" presetClass="entr" presetSubtype="0" decel="100000" fill="hold" grpId="1" nodeType="afterEffect">
                                   <p:stCondLst>
                                     <p:cond delay="0"/>
                                   </p:stCondLst>
                                   <p:childTnLst>
                                     <p:set>
                                       <p:cBhvr>
-                                        <p:cTn id="47" dur="1" fill="hold">
+                                        <p:cTn id="42" dur="1" fill="hold">
                                           <p:stCondLst>
                                             <p:cond delay="0"/>
                                           </p:stCondLst>
@@ -10559,7 +10596,7 @@
                                     </p:set>
                                     <p:anim calcmode="lin" valueType="num">
                                       <p:cBhvr>
-                                        <p:cTn id="48" dur="1000" fill="hold"/>
+                                        <p:cTn id="43" dur="1300" fill="hold"/>
                                         <p:tgtEl>
                                           <p:spTgt spid="3">
                                             <p:txEl>
@@ -10586,7 +10623,7 @@
                                     </p:anim>
                                     <p:anim calcmode="lin" valueType="num">
                                       <p:cBhvr>
-                                        <p:cTn id="49" dur="1000" fill="hold"/>
+                                        <p:cTn id="44" dur="1300" fill="hold"/>
                                         <p:tgtEl>
                                           <p:spTgt spid="3">
                                             <p:txEl>
@@ -10613,7 +10650,7 @@
                                     </p:anim>
                                     <p:animEffect transition="in" filter="fade">
                                       <p:cBhvr>
-                                        <p:cTn id="50" dur="1000"/>
+                                        <p:cTn id="45" dur="1300"/>
                                         <p:tgtEl>
                                           <p:spTgt spid="3">
                                             <p:txEl>
@@ -10629,30 +10666,21 @@
                             </p:childTnLst>
                           </p:cTn>
                         </p:par>
-                      </p:childTnLst>
-                    </p:cTn>
-                  </p:par>
-                  <p:par>
-                    <p:cTn id="51" fill="hold">
-                      <p:stCondLst>
-                        <p:cond delay="indefinite"/>
-                      </p:stCondLst>
-                      <p:childTnLst>
                         <p:par>
-                          <p:cTn id="52" fill="hold">
+                          <p:cTn id="46" fill="hold">
                             <p:stCondLst>
-                              <p:cond delay="0"/>
+                              <p:cond delay="10400"/>
                             </p:stCondLst>
                             <p:childTnLst>
                               <p:par>
-                                <p:cTn id="53" presetID="50" presetClass="entr" presetSubtype="0" decel="100000" fill="hold" grpId="1" nodeType="clickEffect">
+                                <p:cTn id="47" presetID="50" presetClass="entr" presetSubtype="0" decel="100000" fill="hold" grpId="1" nodeType="afterEffect">
                                   <p:stCondLst>
                                     <p:cond delay="0"/>
                                   </p:stCondLst>
                                   <p:childTnLst>
                                     <p:set>
                                       <p:cBhvr>
-                                        <p:cTn id="54" dur="1" fill="hold">
+                                        <p:cTn id="48" dur="1" fill="hold">
                                           <p:stCondLst>
                                             <p:cond delay="0"/>
                                           </p:stCondLst>
@@ -10674,7 +10702,7 @@
                                     </p:set>
                                     <p:anim calcmode="lin" valueType="num">
                                       <p:cBhvr>
-                                        <p:cTn id="55" dur="1000" fill="hold"/>
+                                        <p:cTn id="49" dur="1400" fill="hold"/>
                                         <p:tgtEl>
                                           <p:spTgt spid="3">
                                             <p:txEl>
@@ -10701,7 +10729,7 @@
                                     </p:anim>
                                     <p:anim calcmode="lin" valueType="num">
                                       <p:cBhvr>
-                                        <p:cTn id="56" dur="1000" fill="hold"/>
+                                        <p:cTn id="50" dur="1400" fill="hold"/>
                                         <p:tgtEl>
                                           <p:spTgt spid="3">
                                             <p:txEl>
@@ -10728,7 +10756,7 @@
                                     </p:anim>
                                     <p:animEffect transition="in" filter="fade">
                                       <p:cBhvr>
-                                        <p:cTn id="57" dur="1000"/>
+                                        <p:cTn id="51" dur="1400"/>
                                         <p:tgtEl>
                                           <p:spTgt spid="3">
                                             <p:txEl>
@@ -10744,30 +10772,21 @@
                             </p:childTnLst>
                           </p:cTn>
                         </p:par>
-                      </p:childTnLst>
-                    </p:cTn>
-                  </p:par>
-                  <p:par>
-                    <p:cTn id="58" fill="hold">
-                      <p:stCondLst>
-                        <p:cond delay="indefinite"/>
-                      </p:stCondLst>
-                      <p:childTnLst>
                         <p:par>
-                          <p:cTn id="59" fill="hold">
+                          <p:cTn id="52" fill="hold">
                             <p:stCondLst>
-                              <p:cond delay="0"/>
+                              <p:cond delay="11800"/>
                             </p:stCondLst>
                             <p:childTnLst>
                               <p:par>
-                                <p:cTn id="60" presetID="50" presetClass="entr" presetSubtype="0" decel="100000" fill="hold" grpId="1" nodeType="clickEffect">
+                                <p:cTn id="53" presetID="50" presetClass="entr" presetSubtype="0" decel="100000" fill="hold" grpId="1" nodeType="afterEffect">
                                   <p:stCondLst>
                                     <p:cond delay="0"/>
                                   </p:stCondLst>
                                   <p:childTnLst>
                                     <p:set>
                                       <p:cBhvr>
-                                        <p:cTn id="61" dur="1" fill="hold">
+                                        <p:cTn id="54" dur="1" fill="hold">
                                           <p:stCondLst>
                                             <p:cond delay="0"/>
                                           </p:stCondLst>
@@ -10789,7 +10808,7 @@
                                     </p:set>
                                     <p:anim calcmode="lin" valueType="num">
                                       <p:cBhvr>
-                                        <p:cTn id="62" dur="1000" fill="hold"/>
+                                        <p:cTn id="55" dur="1400" fill="hold"/>
                                         <p:tgtEl>
                                           <p:spTgt spid="3">
                                             <p:txEl>
@@ -10816,7 +10835,7 @@
                                     </p:anim>
                                     <p:anim calcmode="lin" valueType="num">
                                       <p:cBhvr>
-                                        <p:cTn id="63" dur="1000" fill="hold"/>
+                                        <p:cTn id="56" dur="1400" fill="hold"/>
                                         <p:tgtEl>
                                           <p:spTgt spid="3">
                                             <p:txEl>
@@ -10843,7 +10862,7 @@
                                     </p:anim>
                                     <p:animEffect transition="in" filter="fade">
                                       <p:cBhvr>
-                                        <p:cTn id="64" dur="1000"/>
+                                        <p:cTn id="57" dur="1400"/>
                                         <p:tgtEl>
                                           <p:spTgt spid="3">
                                             <p:txEl>
@@ -10884,7 +10903,7 @@
       </p:par>
     </p:tnLst>
     <p:bldLst>
-      <p:bldP spid="3" grpId="1" build="p"/>
+      <p:bldP spid="3" grpId="1" uiExpand="1" build="p"/>
     </p:bldLst>
   </p:timing>
 </p:sld>

--- a/Presentation/TEAM Stream Final.pptx
+++ b/Presentation/TEAM Stream Final.pptx
@@ -252,7 +252,7 @@
           <a:p>
             <a:fld id="{7C745505-B421-4F45-B72A-AB1D379C0AAE}" type="datetimeFigureOut">
               <a:rPr lang="en-US" smtClean="0"/>
-              <a:t>10/31/2021</a:t>
+              <a:t>11/1/2021</a:t>
             </a:fld>
             <a:endParaRPr lang="en-US"/>
           </a:p>
@@ -460,7 +460,7 @@
           <a:p>
             <a:fld id="{7C745505-B421-4F45-B72A-AB1D379C0AAE}" type="datetimeFigureOut">
               <a:rPr lang="en-US" smtClean="0"/>
-              <a:t>10/31/2021</a:t>
+              <a:t>11/1/2021</a:t>
             </a:fld>
             <a:endParaRPr lang="en-US"/>
           </a:p>
@@ -640,7 +640,7 @@
           <a:p>
             <a:fld id="{7C745505-B421-4F45-B72A-AB1D379C0AAE}" type="datetimeFigureOut">
               <a:rPr lang="en-US" smtClean="0"/>
-              <a:t>10/31/2021</a:t>
+              <a:t>11/1/2021</a:t>
             </a:fld>
             <a:endParaRPr lang="en-US"/>
           </a:p>
@@ -926,7 +926,7 @@
             <a:fld id="{7C745505-B421-4F45-B72A-AB1D379C0AAE}" type="datetimeFigureOut">
               <a:rPr lang="en-US" smtClean="0"/>
               <a:pPr/>
-              <a:t>10/31/2021</a:t>
+              <a:t>11/1/2021</a:t>
             </a:fld>
             <a:endParaRPr lang="en-US"/>
           </a:p>
@@ -1196,7 +1196,7 @@
           <a:p>
             <a:fld id="{7C745505-B421-4F45-B72A-AB1D379C0AAE}" type="datetimeFigureOut">
               <a:rPr lang="en-US" smtClean="0"/>
-              <a:t>10/31/2021</a:t>
+              <a:t>11/1/2021</a:t>
             </a:fld>
             <a:endParaRPr lang="en-US"/>
           </a:p>
@@ -1428,7 +1428,7 @@
           <a:p>
             <a:fld id="{7C745505-B421-4F45-B72A-AB1D379C0AAE}" type="datetimeFigureOut">
               <a:rPr lang="en-US" smtClean="0"/>
-              <a:t>10/31/2021</a:t>
+              <a:t>11/1/2021</a:t>
             </a:fld>
             <a:endParaRPr lang="en-US"/>
           </a:p>
@@ -1795,7 +1795,7 @@
           <a:p>
             <a:fld id="{7C745505-B421-4F45-B72A-AB1D379C0AAE}" type="datetimeFigureOut">
               <a:rPr lang="en-US" smtClean="0"/>
-              <a:t>10/31/2021</a:t>
+              <a:t>11/1/2021</a:t>
             </a:fld>
             <a:endParaRPr lang="en-US"/>
           </a:p>
@@ -1913,7 +1913,7 @@
           <a:p>
             <a:fld id="{7C745505-B421-4F45-B72A-AB1D379C0AAE}" type="datetimeFigureOut">
               <a:rPr lang="en-US" smtClean="0"/>
-              <a:t>10/31/2021</a:t>
+              <a:t>11/1/2021</a:t>
             </a:fld>
             <a:endParaRPr lang="en-US"/>
           </a:p>
@@ -2008,7 +2008,7 @@
           <a:p>
             <a:fld id="{7C745505-B421-4F45-B72A-AB1D379C0AAE}" type="datetimeFigureOut">
               <a:rPr lang="en-US" smtClean="0"/>
-              <a:t>10/31/2021</a:t>
+              <a:t>11/1/2021</a:t>
             </a:fld>
             <a:endParaRPr lang="en-US"/>
           </a:p>
@@ -2285,7 +2285,7 @@
           <a:p>
             <a:fld id="{7C745505-B421-4F45-B72A-AB1D379C0AAE}" type="datetimeFigureOut">
               <a:rPr lang="en-US" smtClean="0"/>
-              <a:t>10/31/2021</a:t>
+              <a:t>11/1/2021</a:t>
             </a:fld>
             <a:endParaRPr lang="en-US"/>
           </a:p>
@@ -2538,7 +2538,7 @@
           <a:p>
             <a:fld id="{7C745505-B421-4F45-B72A-AB1D379C0AAE}" type="datetimeFigureOut">
               <a:rPr lang="en-US" smtClean="0"/>
-              <a:t>10/31/2021</a:t>
+              <a:t>11/1/2021</a:t>
             </a:fld>
             <a:endParaRPr lang="en-US"/>
           </a:p>
@@ -2759,7 +2759,7 @@
             <a:fld id="{7C745505-B421-4F45-B72A-AB1D379C0AAE}" type="datetimeFigureOut">
               <a:rPr lang="en-US" smtClean="0"/>
               <a:pPr/>
-              <a:t>10/31/2021</a:t>
+              <a:t>11/1/2021</a:t>
             </a:fld>
             <a:endParaRPr lang="en-US"/>
           </a:p>
@@ -8252,7 +8252,11 @@
             </a:pPr>
             <a:r>
               <a:rPr lang="en-US" dirty="0" smtClean="0"/>
-              <a:t>Integrating Stripe payment for premium content &amp; restricting viewers</a:t>
+              <a:t>Integrating Stripe payment for premium content &amp; restricting </a:t>
+            </a:r>
+            <a:r>
+              <a:rPr lang="en-US" dirty="0" smtClean="0"/>
+              <a:t>viewers</a:t>
             </a:r>
           </a:p>
           <a:p>
@@ -8269,7 +8273,11 @@
             </a:pPr>
             <a:r>
               <a:rPr lang="en-US" dirty="0" smtClean="0"/>
-              <a:t>Ensuring everyone on the team has challenging pieces of the project</a:t>
+              <a:t>Ensuring everyone on the team has challenging pieces of the </a:t>
+            </a:r>
+            <a:r>
+              <a:rPr lang="en-US" dirty="0" smtClean="0"/>
+              <a:t>project</a:t>
             </a:r>
           </a:p>
           <a:p>
@@ -9615,8 +9623,14 @@
           <a:lstStyle/>
           <a:p>
             <a:r>
-              <a:rPr lang="en-US" dirty="0" smtClean="0"/>
-              <a:t>Add video or link</a:t>
+              <a:rPr lang="en-US" smtClean="0">
+                <a:hlinkClick r:id="rId3"/>
+              </a:rPr>
+              <a:t>Demo Video</a:t>
+            </a:r>
+            <a:r>
+              <a:rPr lang="en-US" smtClean="0"/>
+              <a:t> </a:t>
             </a:r>
             <a:endParaRPr lang="en-US" dirty="0"/>
           </a:p>
